--- a/PPTs/03 Dependency Injection.pptx
+++ b/PPTs/03 Dependency Injection.pptx
@@ -253,7 +253,7 @@
             <a:fld id="{4991502B-FFA8-47B9-B4E5-980CA415BAFF}" type="datetimeFigureOut">
               <a:rPr lang="en-US" smtClean="0"/>
               <a:pPr/>
-              <a:t>5/24/2017</a:t>
+              <a:t>12/4/2017</a:t>
             </a:fld>
             <a:endParaRPr lang="en-US"/>
           </a:p>
@@ -21187,7 +21187,7 @@
           <a:p>
             <a:r>
               <a:rPr lang="en-US" dirty="0"/>
-              <a:t>You can use it a </a:t>
+              <a:t>You can use it as a </a:t>
             </a:r>
             <a:r>
               <a:rPr lang="en-US" dirty="0">
@@ -25826,7 +25826,7 @@
               <a:rPr lang="en-US" dirty="0">
                 <a:sym typeface="Wingdings" panose="05000000000000000000" pitchFamily="2" charset="2"/>
               </a:rPr>
-              <a:t> new service instance might be created</a:t>
+              <a:t> new service instance might be created </a:t>
             </a:r>
             <a:endParaRPr lang="en-US" dirty="0"/>
           </a:p>

--- a/PPTs/03 Dependency Injection.pptx
+++ b/PPTs/03 Dependency Injection.pptx
@@ -166,10 +166,6 @@
 </p:presentation>
 </file>
 
-<file path=ppt/revisionInfo.xml><?xml version="1.0" encoding="utf-8"?>
-<p1510:revInfo xmlns:a="http://schemas.openxmlformats.org/drawingml/2006/main" xmlns:r="http://schemas.openxmlformats.org/officeDocument/2006/relationships" xmlns:p1510="http://schemas.microsoft.com/office/powerpoint/2015/10/main"/>
-</file>
-
 <file path=ppt/notesMasters/notesMaster1.xml><?xml version="1.0" encoding="utf-8"?>
 <p:notesMaster xmlns:a="http://schemas.openxmlformats.org/drawingml/2006/main" xmlns:r="http://schemas.openxmlformats.org/officeDocument/2006/relationships" xmlns:p="http://schemas.openxmlformats.org/presentationml/2006/main">
   <p:cSld>
@@ -253,7 +249,7 @@
             <a:fld id="{4991502B-FFA8-47B9-B4E5-980CA415BAFF}" type="datetimeFigureOut">
               <a:rPr lang="en-US" smtClean="0"/>
               <a:pPr/>
-              <a:t>12/4/2017</a:t>
+              <a:t>5/9/2018</a:t>
             </a:fld>
             <a:endParaRPr lang="en-US"/>
           </a:p>
@@ -19280,66 +19276,66 @@
           <a:lstStyle/>
           <a:p>
             <a:r>
-              <a:rPr lang="en-US" sz="1600" b="1" dirty="0" err="1">
+              <a:rPr lang="en-US" sz="1600" b="1" dirty="0">
                 <a:solidFill>
                   <a:srgbClr val="000080"/>
                 </a:solidFill>
                 <a:latin typeface="Courier New" panose="02070309020205020404" pitchFamily="49" charset="0"/>
                 <a:ea typeface="Times New Roman" panose="02020603050405020304" pitchFamily="18" charset="0"/>
               </a:rPr>
-              <a:t>const</a:t>
-            </a:r>
-            <a:r>
-              <a:rPr lang="en-US" sz="1600" b="1" dirty="0">
-                <a:solidFill>
-                  <a:srgbClr val="000080"/>
+              <a:t>const </a:t>
+            </a:r>
+            <a:r>
+              <a:rPr lang="en-US" sz="1600" dirty="0">
+                <a:solidFill>
+                  <a:srgbClr val="458383"/>
                 </a:solidFill>
                 <a:latin typeface="Courier New" panose="02070309020205020404" pitchFamily="49" charset="0"/>
                 <a:ea typeface="Times New Roman" panose="02020603050405020304" pitchFamily="18" charset="0"/>
               </a:rPr>
-              <a:t> </a:t>
+              <a:t>injector </a:t>
             </a:r>
             <a:r>
               <a:rPr lang="en-US" sz="1600" dirty="0">
                 <a:solidFill>
-                  <a:srgbClr val="458383"/>
+                  <a:srgbClr val="000000"/>
                 </a:solidFill>
                 <a:latin typeface="Courier New" panose="02070309020205020404" pitchFamily="49" charset="0"/>
                 <a:ea typeface="Times New Roman" panose="02020603050405020304" pitchFamily="18" charset="0"/>
               </a:rPr>
-              <a:t>injector </a:t>
-            </a:r>
-            <a:r>
-              <a:rPr lang="en-US" sz="1600" dirty="0">
+              <a:t>= </a:t>
+            </a:r>
+            <a:r>
+              <a:rPr lang="en-US" sz="1600" dirty="0" err="1">
                 <a:solidFill>
                   <a:srgbClr val="000000"/>
                 </a:solidFill>
                 <a:latin typeface="Courier New" panose="02070309020205020404" pitchFamily="49" charset="0"/>
                 <a:ea typeface="Times New Roman" panose="02020603050405020304" pitchFamily="18" charset="0"/>
               </a:rPr>
-              <a:t>= </a:t>
-            </a:r>
-            <a:r>
-              <a:rPr lang="en-US" sz="1600" dirty="0" err="1">
+              <a:t>ReflectiveInjector.</a:t>
+            </a:r>
+            <a:r>
+              <a:rPr lang="en-US" sz="1600" i="1" dirty="0" err="1">
                 <a:solidFill>
                   <a:srgbClr val="000000"/>
                 </a:solidFill>
                 <a:latin typeface="Courier New" panose="02070309020205020404" pitchFamily="49" charset="0"/>
                 <a:ea typeface="Times New Roman" panose="02020603050405020304" pitchFamily="18" charset="0"/>
               </a:rPr>
-              <a:t>ReflectiveInjector.</a:t>
-            </a:r>
-            <a:r>
-              <a:rPr lang="en-US" sz="1600" i="1" dirty="0" err="1">
+              <a:t>resolveAndCreate</a:t>
+            </a:r>
+            <a:r>
+              <a:rPr lang="en-US" sz="1600" dirty="0">
                 <a:solidFill>
                   <a:srgbClr val="000000"/>
                 </a:solidFill>
                 <a:latin typeface="Courier New" panose="02070309020205020404" pitchFamily="49" charset="0"/>
                 <a:ea typeface="Times New Roman" panose="02020603050405020304" pitchFamily="18" charset="0"/>
               </a:rPr>
-              <a:t>resolveAndCreate</a:t>
-            </a:r>
-            <a:r>
+              <a:t>([</a:t>
+            </a:r>
+            <a:br>
               <a:rPr lang="en-US" sz="1600" dirty="0">
                 <a:solidFill>
                   <a:srgbClr val="000000"/>
@@ -19347,9 +19343,8 @@
                 <a:latin typeface="Courier New" panose="02070309020205020404" pitchFamily="49" charset="0"/>
                 <a:ea typeface="Times New Roman" panose="02020603050405020304" pitchFamily="18" charset="0"/>
               </a:rPr>
-              <a:t>([</a:t>
-            </a:r>
-            <a:br>
+            </a:br>
+            <a:r>
               <a:rPr lang="en-US" sz="1600" dirty="0">
                 <a:solidFill>
                   <a:srgbClr val="000000"/>
@@ -19357,128 +19352,129 @@
                 <a:latin typeface="Courier New" panose="02070309020205020404" pitchFamily="49" charset="0"/>
                 <a:ea typeface="Times New Roman" panose="02020603050405020304" pitchFamily="18" charset="0"/>
               </a:rPr>
-            </a:br>
-            <a:r>
-              <a:rPr lang="en-US" sz="1600" dirty="0">
-                <a:solidFill>
-                  <a:srgbClr val="000000"/>
+              <a:t>    {</a:t>
+            </a:r>
+            <a:r>
+              <a:rPr lang="en-US" sz="1600" b="1" dirty="0">
+                <a:solidFill>
+                  <a:srgbClr val="660E7A"/>
                 </a:solidFill>
                 <a:latin typeface="Courier New" panose="02070309020205020404" pitchFamily="49" charset="0"/>
                 <a:ea typeface="Times New Roman" panose="02020603050405020304" pitchFamily="18" charset="0"/>
               </a:rPr>
-              <a:t>    {</a:t>
-            </a:r>
-            <a:r>
-              <a:rPr lang="en-US" sz="1600" b="1" dirty="0">
-                <a:solidFill>
-                  <a:srgbClr val="660E7A"/>
+              <a:t>provide</a:t>
+            </a:r>
+            <a:r>
+              <a:rPr lang="en-US" sz="1600" dirty="0">
+                <a:solidFill>
+                  <a:srgbClr val="000000"/>
                 </a:solidFill>
                 <a:latin typeface="Courier New" panose="02070309020205020404" pitchFamily="49" charset="0"/>
                 <a:ea typeface="Times New Roman" panose="02020603050405020304" pitchFamily="18" charset="0"/>
               </a:rPr>
-              <a:t>provide</a:t>
-            </a:r>
-            <a:r>
-              <a:rPr lang="en-US" sz="1600" dirty="0">
+              <a:t>: </a:t>
+            </a:r>
+            <a:r>
+              <a:rPr lang="en-US" sz="1600" dirty="0" err="1">
                 <a:solidFill>
                   <a:srgbClr val="000000"/>
                 </a:solidFill>
                 <a:latin typeface="Courier New" panose="02070309020205020404" pitchFamily="49" charset="0"/>
                 <a:ea typeface="Times New Roman" panose="02020603050405020304" pitchFamily="18" charset="0"/>
               </a:rPr>
-              <a:t>: </a:t>
-            </a:r>
-            <a:r>
-              <a:rPr lang="en-US" sz="1600" dirty="0" err="1">
+              <a:t>MyService</a:t>
+            </a:r>
+            <a:r>
+              <a:rPr lang="en-US" sz="1600" dirty="0">
                 <a:solidFill>
                   <a:srgbClr val="000000"/>
                 </a:solidFill>
                 <a:latin typeface="Courier New" panose="02070309020205020404" pitchFamily="49" charset="0"/>
                 <a:ea typeface="Times New Roman" panose="02020603050405020304" pitchFamily="18" charset="0"/>
               </a:rPr>
-              <a:t>MyService</a:t>
-            </a:r>
-            <a:r>
-              <a:rPr lang="en-US" sz="1600" dirty="0">
-                <a:solidFill>
-                  <a:srgbClr val="000000"/>
+              <a:t>, </a:t>
+            </a:r>
+            <a:r>
+              <a:rPr lang="en-US" sz="1600" b="1" dirty="0" err="1">
+                <a:solidFill>
+                  <a:srgbClr val="660E7A"/>
                 </a:solidFill>
                 <a:latin typeface="Courier New" panose="02070309020205020404" pitchFamily="49" charset="0"/>
                 <a:ea typeface="Times New Roman" panose="02020603050405020304" pitchFamily="18" charset="0"/>
               </a:rPr>
-              <a:t>, </a:t>
-            </a:r>
-            <a:r>
-              <a:rPr lang="en-US" sz="1600" b="1" dirty="0" err="1">
-                <a:solidFill>
-                  <a:srgbClr val="660E7A"/>
+              <a:t>useClass</a:t>
+            </a:r>
+            <a:r>
+              <a:rPr lang="en-US" sz="1600" dirty="0">
+                <a:solidFill>
+                  <a:srgbClr val="000000"/>
                 </a:solidFill>
                 <a:latin typeface="Courier New" panose="02070309020205020404" pitchFamily="49" charset="0"/>
                 <a:ea typeface="Times New Roman" panose="02020603050405020304" pitchFamily="18" charset="0"/>
               </a:rPr>
-              <a:t>useClass</a:t>
-            </a:r>
-            <a:r>
-              <a:rPr lang="en-US" sz="1600" dirty="0">
+              <a:t>: </a:t>
+            </a:r>
+            <a:r>
+              <a:rPr lang="en-US" sz="1600" dirty="0" err="1">
                 <a:solidFill>
                   <a:srgbClr val="000000"/>
                 </a:solidFill>
                 <a:latin typeface="Courier New" panose="02070309020205020404" pitchFamily="49" charset="0"/>
                 <a:ea typeface="Times New Roman" panose="02020603050405020304" pitchFamily="18" charset="0"/>
               </a:rPr>
-              <a:t>: </a:t>
-            </a:r>
-            <a:r>
-              <a:rPr lang="en-US" sz="1600" dirty="0" err="1">
+              <a:t>MyService</a:t>
+            </a:r>
+            <a:r>
+              <a:rPr lang="en-US" sz="1600" dirty="0">
                 <a:solidFill>
                   <a:srgbClr val="000000"/>
                 </a:solidFill>
                 <a:latin typeface="Courier New" panose="02070309020205020404" pitchFamily="49" charset="0"/>
                 <a:ea typeface="Times New Roman" panose="02020603050405020304" pitchFamily="18" charset="0"/>
               </a:rPr>
-              <a:t>MyService</a:t>
-            </a:r>
-            <a:r>
-              <a:rPr lang="en-US" sz="1600" dirty="0">
-                <a:solidFill>
-                  <a:srgbClr val="000000"/>
+              <a:t>, </a:t>
+            </a:r>
+            <a:r>
+              <a:rPr lang="en-US" sz="1600" b="1" dirty="0">
+                <a:solidFill>
+                  <a:srgbClr val="660E7A"/>
                 </a:solidFill>
                 <a:latin typeface="Courier New" panose="02070309020205020404" pitchFamily="49" charset="0"/>
                 <a:ea typeface="Times New Roman" panose="02020603050405020304" pitchFamily="18" charset="0"/>
               </a:rPr>
-              <a:t>, </a:t>
-            </a:r>
-            <a:r>
-              <a:rPr lang="en-US" sz="1600" b="1" dirty="0">
-                <a:solidFill>
-                  <a:srgbClr val="660E7A"/>
+              <a:t>multi</a:t>
+            </a:r>
+            <a:r>
+              <a:rPr lang="en-US" sz="1600" dirty="0">
+                <a:solidFill>
+                  <a:srgbClr val="000000"/>
                 </a:solidFill>
                 <a:latin typeface="Courier New" panose="02070309020205020404" pitchFamily="49" charset="0"/>
                 <a:ea typeface="Times New Roman" panose="02020603050405020304" pitchFamily="18" charset="0"/>
               </a:rPr>
-              <a:t>multi</a:t>
-            </a:r>
-            <a:r>
-              <a:rPr lang="en-US" sz="1600" dirty="0">
-                <a:solidFill>
-                  <a:srgbClr val="000000"/>
+              <a:t>: </a:t>
+            </a:r>
+            <a:r>
+              <a:rPr lang="en-US" sz="1600" b="1" dirty="0">
+                <a:solidFill>
+                  <a:srgbClr val="000080"/>
                 </a:solidFill>
                 <a:latin typeface="Courier New" panose="02070309020205020404" pitchFamily="49" charset="0"/>
                 <a:ea typeface="Times New Roman" panose="02020603050405020304" pitchFamily="18" charset="0"/>
               </a:rPr>
-              <a:t>: </a:t>
-            </a:r>
-            <a:r>
-              <a:rPr lang="en-US" sz="1600" b="1" dirty="0">
-                <a:solidFill>
-                  <a:srgbClr val="000080"/>
+              <a:t>true</a:t>
+            </a:r>
+            <a:r>
+              <a:rPr lang="en-US" sz="1600" dirty="0">
+                <a:solidFill>
+                  <a:srgbClr val="000000"/>
                 </a:solidFill>
                 <a:latin typeface="Courier New" panose="02070309020205020404" pitchFamily="49" charset="0"/>
                 <a:ea typeface="Times New Roman" panose="02020603050405020304" pitchFamily="18" charset="0"/>
               </a:rPr>
-              <a:t>true</a:t>
-            </a:r>
-            <a:r>
+              <a:t>},</a:t>
+            </a:r>
+            <a:br>
               <a:rPr lang="en-US" sz="1600" dirty="0">
                 <a:solidFill>
                   <a:srgbClr val="000000"/>
@@ -19486,9 +19482,8 @@
                 <a:latin typeface="Courier New" panose="02070309020205020404" pitchFamily="49" charset="0"/>
                 <a:ea typeface="Times New Roman" panose="02020603050405020304" pitchFamily="18" charset="0"/>
               </a:rPr>
-              <a:t>},</a:t>
-            </a:r>
-            <a:br>
+            </a:br>
+            <a:r>
               <a:rPr lang="en-US" sz="1600" dirty="0">
                 <a:solidFill>
                   <a:srgbClr val="000000"/>
@@ -19496,128 +19491,129 @@
                 <a:latin typeface="Courier New" panose="02070309020205020404" pitchFamily="49" charset="0"/>
                 <a:ea typeface="Times New Roman" panose="02020603050405020304" pitchFamily="18" charset="0"/>
               </a:rPr>
-            </a:br>
-            <a:r>
-              <a:rPr lang="en-US" sz="1600" dirty="0">
-                <a:solidFill>
-                  <a:srgbClr val="000000"/>
+              <a:t>    {</a:t>
+            </a:r>
+            <a:r>
+              <a:rPr lang="en-US" sz="1600" b="1" dirty="0">
+                <a:solidFill>
+                  <a:srgbClr val="660E7A"/>
                 </a:solidFill>
                 <a:latin typeface="Courier New" panose="02070309020205020404" pitchFamily="49" charset="0"/>
                 <a:ea typeface="Times New Roman" panose="02020603050405020304" pitchFamily="18" charset="0"/>
               </a:rPr>
-              <a:t>    {</a:t>
-            </a:r>
-            <a:r>
-              <a:rPr lang="en-US" sz="1600" b="1" dirty="0">
-                <a:solidFill>
-                  <a:srgbClr val="660E7A"/>
+              <a:t>provide</a:t>
+            </a:r>
+            <a:r>
+              <a:rPr lang="en-US" sz="1600" dirty="0">
+                <a:solidFill>
+                  <a:srgbClr val="000000"/>
                 </a:solidFill>
                 <a:latin typeface="Courier New" panose="02070309020205020404" pitchFamily="49" charset="0"/>
                 <a:ea typeface="Times New Roman" panose="02020603050405020304" pitchFamily="18" charset="0"/>
               </a:rPr>
-              <a:t>provide</a:t>
-            </a:r>
-            <a:r>
-              <a:rPr lang="en-US" sz="1600" dirty="0">
+              <a:t>: </a:t>
+            </a:r>
+            <a:r>
+              <a:rPr lang="en-US" sz="1600" dirty="0" err="1">
                 <a:solidFill>
                   <a:srgbClr val="000000"/>
                 </a:solidFill>
                 <a:latin typeface="Courier New" panose="02070309020205020404" pitchFamily="49" charset="0"/>
                 <a:ea typeface="Times New Roman" panose="02020603050405020304" pitchFamily="18" charset="0"/>
               </a:rPr>
-              <a:t>: </a:t>
-            </a:r>
-            <a:r>
-              <a:rPr lang="en-US" sz="1600" dirty="0" err="1">
+              <a:t>MyService</a:t>
+            </a:r>
+            <a:r>
+              <a:rPr lang="en-US" sz="1600" dirty="0">
                 <a:solidFill>
                   <a:srgbClr val="000000"/>
                 </a:solidFill>
                 <a:latin typeface="Courier New" panose="02070309020205020404" pitchFamily="49" charset="0"/>
                 <a:ea typeface="Times New Roman" panose="02020603050405020304" pitchFamily="18" charset="0"/>
               </a:rPr>
-              <a:t>MyService</a:t>
-            </a:r>
-            <a:r>
-              <a:rPr lang="en-US" sz="1600" dirty="0">
-                <a:solidFill>
-                  <a:srgbClr val="000000"/>
+              <a:t>, </a:t>
+            </a:r>
+            <a:r>
+              <a:rPr lang="en-US" sz="1600" b="1" dirty="0" err="1">
+                <a:solidFill>
+                  <a:srgbClr val="660E7A"/>
                 </a:solidFill>
                 <a:latin typeface="Courier New" panose="02070309020205020404" pitchFamily="49" charset="0"/>
                 <a:ea typeface="Times New Roman" panose="02020603050405020304" pitchFamily="18" charset="0"/>
               </a:rPr>
-              <a:t>, </a:t>
-            </a:r>
-            <a:r>
-              <a:rPr lang="en-US" sz="1600" b="1" dirty="0" err="1">
-                <a:solidFill>
-                  <a:srgbClr val="660E7A"/>
+              <a:t>useClass</a:t>
+            </a:r>
+            <a:r>
+              <a:rPr lang="en-US" sz="1600" dirty="0">
+                <a:solidFill>
+                  <a:srgbClr val="000000"/>
                 </a:solidFill>
                 <a:latin typeface="Courier New" panose="02070309020205020404" pitchFamily="49" charset="0"/>
                 <a:ea typeface="Times New Roman" panose="02020603050405020304" pitchFamily="18" charset="0"/>
               </a:rPr>
-              <a:t>useClass</a:t>
-            </a:r>
-            <a:r>
-              <a:rPr lang="en-US" sz="1600" dirty="0">
+              <a:t>: </a:t>
+            </a:r>
+            <a:r>
+              <a:rPr lang="en-US" sz="1600" dirty="0" err="1">
                 <a:solidFill>
                   <a:srgbClr val="000000"/>
                 </a:solidFill>
                 <a:latin typeface="Courier New" panose="02070309020205020404" pitchFamily="49" charset="0"/>
                 <a:ea typeface="Times New Roman" panose="02020603050405020304" pitchFamily="18" charset="0"/>
               </a:rPr>
-              <a:t>: </a:t>
-            </a:r>
-            <a:r>
-              <a:rPr lang="en-US" sz="1600" dirty="0" err="1">
+              <a:t>MyService</a:t>
+            </a:r>
+            <a:r>
+              <a:rPr lang="en-US" sz="1600" dirty="0">
                 <a:solidFill>
                   <a:srgbClr val="000000"/>
                 </a:solidFill>
                 <a:latin typeface="Courier New" panose="02070309020205020404" pitchFamily="49" charset="0"/>
                 <a:ea typeface="Times New Roman" panose="02020603050405020304" pitchFamily="18" charset="0"/>
               </a:rPr>
-              <a:t>MyService</a:t>
-            </a:r>
-            <a:r>
-              <a:rPr lang="en-US" sz="1600" dirty="0">
-                <a:solidFill>
-                  <a:srgbClr val="000000"/>
+              <a:t>, </a:t>
+            </a:r>
+            <a:r>
+              <a:rPr lang="en-US" sz="1600" b="1" dirty="0">
+                <a:solidFill>
+                  <a:srgbClr val="660E7A"/>
                 </a:solidFill>
                 <a:latin typeface="Courier New" panose="02070309020205020404" pitchFamily="49" charset="0"/>
                 <a:ea typeface="Times New Roman" panose="02020603050405020304" pitchFamily="18" charset="0"/>
               </a:rPr>
-              <a:t>, </a:t>
-            </a:r>
-            <a:r>
-              <a:rPr lang="en-US" sz="1600" b="1" dirty="0">
-                <a:solidFill>
-                  <a:srgbClr val="660E7A"/>
+              <a:t>multi</a:t>
+            </a:r>
+            <a:r>
+              <a:rPr lang="en-US" sz="1600" dirty="0">
+                <a:solidFill>
+                  <a:srgbClr val="000000"/>
                 </a:solidFill>
                 <a:latin typeface="Courier New" panose="02070309020205020404" pitchFamily="49" charset="0"/>
                 <a:ea typeface="Times New Roman" panose="02020603050405020304" pitchFamily="18" charset="0"/>
               </a:rPr>
-              <a:t>multi</a:t>
-            </a:r>
-            <a:r>
-              <a:rPr lang="en-US" sz="1600" dirty="0">
-                <a:solidFill>
-                  <a:srgbClr val="000000"/>
+              <a:t>: </a:t>
+            </a:r>
+            <a:r>
+              <a:rPr lang="en-US" sz="1600" b="1" dirty="0">
+                <a:solidFill>
+                  <a:srgbClr val="000080"/>
                 </a:solidFill>
                 <a:latin typeface="Courier New" panose="02070309020205020404" pitchFamily="49" charset="0"/>
                 <a:ea typeface="Times New Roman" panose="02020603050405020304" pitchFamily="18" charset="0"/>
               </a:rPr>
-              <a:t>: </a:t>
-            </a:r>
-            <a:r>
-              <a:rPr lang="en-US" sz="1600" b="1" dirty="0">
-                <a:solidFill>
-                  <a:srgbClr val="000080"/>
+              <a:t>true</a:t>
+            </a:r>
+            <a:r>
+              <a:rPr lang="en-US" sz="1600" dirty="0">
+                <a:solidFill>
+                  <a:srgbClr val="000000"/>
                 </a:solidFill>
                 <a:latin typeface="Courier New" panose="02070309020205020404" pitchFamily="49" charset="0"/>
                 <a:ea typeface="Times New Roman" panose="02020603050405020304" pitchFamily="18" charset="0"/>
               </a:rPr>
-              <a:t>true</a:t>
-            </a:r>
-            <a:r>
+              <a:t>},</a:t>
+            </a:r>
+            <a:br>
               <a:rPr lang="en-US" sz="1600" dirty="0">
                 <a:solidFill>
                   <a:srgbClr val="000000"/>
@@ -19625,9 +19621,8 @@
                 <a:latin typeface="Courier New" panose="02070309020205020404" pitchFamily="49" charset="0"/>
                 <a:ea typeface="Times New Roman" panose="02020603050405020304" pitchFamily="18" charset="0"/>
               </a:rPr>
-              <a:t>},</a:t>
-            </a:r>
-            <a:br>
+            </a:br>
+            <a:r>
               <a:rPr lang="en-US" sz="1600" dirty="0">
                 <a:solidFill>
                   <a:srgbClr val="000000"/>
@@ -19635,8 +19630,9 @@
                 <a:latin typeface="Courier New" panose="02070309020205020404" pitchFamily="49" charset="0"/>
                 <a:ea typeface="Times New Roman" panose="02020603050405020304" pitchFamily="18" charset="0"/>
               </a:rPr>
-            </a:br>
-            <a:r>
+              <a:t>]);</a:t>
+            </a:r>
+            <a:br>
               <a:rPr lang="en-US" sz="1600" dirty="0">
                 <a:solidFill>
                   <a:srgbClr val="000000"/>
@@ -19644,8 +19640,7 @@
                 <a:latin typeface="Courier New" panose="02070309020205020404" pitchFamily="49" charset="0"/>
                 <a:ea typeface="Times New Roman" panose="02020603050405020304" pitchFamily="18" charset="0"/>
               </a:rPr>
-              <a:t>]);</a:t>
-            </a:r>
+            </a:br>
             <a:br>
               <a:rPr lang="en-US" sz="1600" dirty="0">
                 <a:solidFill>
@@ -19655,34 +19650,15 @@
                 <a:ea typeface="Times New Roman" panose="02020603050405020304" pitchFamily="18" charset="0"/>
               </a:rPr>
             </a:br>
-            <a:br>
-              <a:rPr lang="en-US" sz="1600" dirty="0">
-                <a:solidFill>
-                  <a:srgbClr val="000000"/>
+            <a:r>
+              <a:rPr lang="en-US" sz="1600" b="1" dirty="0">
+                <a:solidFill>
+                  <a:srgbClr val="000080"/>
                 </a:solidFill>
                 <a:latin typeface="Courier New" panose="02070309020205020404" pitchFamily="49" charset="0"/>
                 <a:ea typeface="Times New Roman" panose="02020603050405020304" pitchFamily="18" charset="0"/>
               </a:rPr>
-            </a:br>
-            <a:r>
-              <a:rPr lang="en-US" sz="1600" b="1" dirty="0" err="1">
-                <a:solidFill>
-                  <a:srgbClr val="000080"/>
-                </a:solidFill>
-                <a:latin typeface="Courier New" panose="02070309020205020404" pitchFamily="49" charset="0"/>
-                <a:ea typeface="Times New Roman" panose="02020603050405020304" pitchFamily="18" charset="0"/>
-              </a:rPr>
-              <a:t>const</a:t>
-            </a:r>
-            <a:r>
-              <a:rPr lang="en-US" sz="1600" b="1" dirty="0">
-                <a:solidFill>
-                  <a:srgbClr val="000080"/>
-                </a:solidFill>
-                <a:latin typeface="Courier New" panose="02070309020205020404" pitchFamily="49" charset="0"/>
-                <a:ea typeface="Times New Roman" panose="02020603050405020304" pitchFamily="18" charset="0"/>
-              </a:rPr>
-              <a:t> </a:t>
+              <a:t>const </a:t>
             </a:r>
             <a:r>
               <a:rPr lang="en-US" sz="1600" dirty="0" err="1">
